--- a/SLURM_08012018.pptx
+++ b/SLURM_08012018.pptx
@@ -6811,14 +6811,32 @@
                 <a:solidFill>
                   <a:srgbClr val="00FFFF"/>
                 </a:solidFill>
+                <a:hlinkClick r:id="rId2"/>
               </a:rPr>
-              <a:t>https://slurm.schedmd.com/</a:t>
+              <a:t>https://slurm.schedmd.</a:t>
+            </a:r>
+            <a:r>
+              <a:rPr lang="en-US">
+                <a:solidFill>
+                  <a:srgbClr val="00FFFF"/>
+                </a:solidFill>
+                <a:hlinkClick r:id="rId2"/>
+              </a:rPr>
+              <a:t>com/</a:t>
+            </a:r>
+            <a:r>
+              <a:rPr lang="en-US">
+                <a:solidFill>
+                  <a:srgbClr val="00FFFF"/>
+                </a:solidFill>
+              </a:rPr>
+              <a:t> </a:t>
             </a:r>
             <a:endParaRPr lang="en-US" dirty="0">
               <a:solidFill>
                 <a:srgbClr val="00FFFF"/>
               </a:solidFill>
-              <a:hlinkClick r:id="rId2"/>
+              <a:hlinkClick r:id="rId3"/>
             </a:endParaRPr>
           </a:p>
           <a:p>
@@ -6829,7 +6847,7 @@
               <a:solidFill>
                 <a:srgbClr val="00FFFF"/>
               </a:solidFill>
-              <a:hlinkClick r:id="rId2"/>
+              <a:hlinkClick r:id="rId3"/>
             </a:endParaRPr>
           </a:p>
           <a:p>
@@ -6840,7 +6858,7 @@
               <a:solidFill>
                 <a:srgbClr val="00FFFF"/>
               </a:solidFill>
-              <a:hlinkClick r:id="rId2"/>
+              <a:hlinkClick r:id="rId3"/>
             </a:endParaRPr>
           </a:p>
           <a:p>
@@ -6852,14 +6870,15 @@
           <a:p>
             <a:pPr lvl="1"/>
             <a:r>
+              <a:rPr lang="en-US" dirty="0">
+                <a:hlinkClick r:id="rId3"/>
+              </a:rPr>
+              <a:t>https://hpc.nih.gov/docs/pbs2slurm.html</a:t>
+            </a:r>
+            <a:r>
               <a:rPr lang="en-US" dirty="0"/>
-              <a:t>https://hpc.nih.gov/docs/pbs2slurm.</a:t>
-            </a:r>
-            <a:r>
-              <a:rPr lang="en-US"/>
-              <a:t>html </a:t>
-            </a:r>
-            <a:endParaRPr lang="en-US" dirty="0"/>
+              <a:t>  </a:t>
+            </a:r>
           </a:p>
         </p:txBody>
       </p:sp>
@@ -8604,7 +8623,7 @@
         <p:spPr>
           <a:xfrm>
             <a:off x="3361991" y="5792242"/>
-            <a:ext cx="6799234" cy="769441"/>
+            <a:ext cx="6927474" cy="769441"/>
           </a:xfrm>
           <a:prstGeom prst="rect">
             <a:avLst/>
@@ -8621,8 +8640,17 @@
                 <a:solidFill>
                   <a:srgbClr val="00FFFF"/>
                 </a:solidFill>
+                <a:hlinkClick r:id="rId2"/>
               </a:rPr>
               <a:t>https://slurm.schedmd.com/</a:t>
+            </a:r>
+            <a:r>
+              <a:rPr lang="en-US" sz="4400" dirty="0">
+                <a:solidFill>
+                  <a:srgbClr val="00FFFF"/>
+                </a:solidFill>
+              </a:rPr>
+              <a:t> </a:t>
             </a:r>
           </a:p>
         </p:txBody>

--- a/SLURM_08012018.pptx
+++ b/SLURM_08012018.pptx
@@ -7651,6 +7651,61 @@
                 </a:solidFill>
               </a:rPr>
               <a:t>LBR, FNLCR  </a:t>
+            </a:r>
+          </a:p>
+        </p:txBody>
+      </p:sp>
+      <p:sp>
+        <p:nvSpPr>
+          <p:cNvPr id="4" name="Rectangle 3">
+            <a:extLst>
+              <a:ext uri="{FF2B5EF4-FFF2-40B4-BE49-F238E27FC236}">
+                <a16:creationId xmlns:a16="http://schemas.microsoft.com/office/drawing/2014/main" id="{690DB565-B75A-423C-802F-10E9B7415335}"/>
+              </a:ext>
+            </a:extLst>
+          </p:cNvPr>
+          <p:cNvSpPr/>
+          <p:nvPr/>
+        </p:nvSpPr>
+        <p:spPr>
+          <a:xfrm>
+            <a:off x="2252133" y="5257800"/>
+            <a:ext cx="7687734" cy="369332"/>
+          </a:xfrm>
+          <a:prstGeom prst="rect">
+            <a:avLst/>
+          </a:prstGeom>
+          <a:ln>
+            <a:solidFill>
+              <a:schemeClr val="accent4">
+                <a:lumMod val="40000"/>
+                <a:lumOff val="60000"/>
+              </a:schemeClr>
+            </a:solidFill>
+          </a:ln>
+        </p:spPr>
+        <p:txBody>
+          <a:bodyPr wrap="square">
+            <a:spAutoFit/>
+          </a:bodyPr>
+          <a:lstStyle/>
+          <a:p>
+            <a:r>
+              <a:rPr lang="en-US" dirty="0">
+                <a:solidFill>
+                  <a:schemeClr val="bg1"/>
+                </a:solidFill>
+                <a:hlinkClick r:id="rId3"/>
+              </a:rPr>
+              <a:t>https://github.com/FNLCR-Bioinformatics/ProgrammersCorner-Parallelization</a:t>
+            </a:r>
+            <a:r>
+              <a:rPr lang="en-US" dirty="0">
+                <a:solidFill>
+                  <a:schemeClr val="bg1"/>
+                </a:solidFill>
+              </a:rPr>
+              <a:t> </a:t>
             </a:r>
           </a:p>
         </p:txBody>

--- a/SLURM_08012018.pptx
+++ b/SLURM_08012018.pptx
@@ -4441,6 +4441,84 @@
           <a:xfrm>
             <a:off x="6564678" y="3912370"/>
             <a:ext cx="3172517" cy="1408598"/>
+          </a:xfrm>
+          <a:prstGeom prst="rect">
+            <a:avLst/>
+          </a:prstGeom>
+        </p:spPr>
+      </p:pic>
+      <p:pic>
+        <p:nvPicPr>
+          <p:cNvPr id="3" name="Picture 2" descr="A close up of a sign&#10;&#10;Description generated with high confidence">
+            <a:extLst>
+              <a:ext uri="{FF2B5EF4-FFF2-40B4-BE49-F238E27FC236}">
+                <a16:creationId xmlns:a16="http://schemas.microsoft.com/office/drawing/2014/main" id="{6F7D6AA4-62AE-4F75-AEC9-5B2419BA5E84}"/>
+              </a:ext>
+            </a:extLst>
+          </p:cNvPr>
+          <p:cNvPicPr>
+            <a:picLocks noChangeAspect="1"/>
+          </p:cNvPicPr>
+          <p:nvPr/>
+        </p:nvPicPr>
+        <p:blipFill>
+          <a:blip r:embed="rId10">
+            <a:extLst>
+              <a:ext uri="{28A0092B-C50C-407E-A947-70E740481C1C}">
+                <a14:useLocalDpi xmlns:a14="http://schemas.microsoft.com/office/drawing/2010/main" val="0"/>
+              </a:ext>
+              <a:ext uri="{837473B0-CC2E-450A-ABE3-18F120FF3D39}">
+                <a1611:picAttrSrcUrl xmlns:a1611="http://schemas.microsoft.com/office/drawing/2016/11/main" r:id="rId11"/>
+              </a:ext>
+            </a:extLst>
+          </a:blip>
+          <a:stretch>
+            <a:fillRect/>
+          </a:stretch>
+        </p:blipFill>
+        <p:spPr>
+          <a:xfrm>
+            <a:off x="9873412" y="21232"/>
+            <a:ext cx="2268316" cy="1153060"/>
+          </a:xfrm>
+          <a:prstGeom prst="rect">
+            <a:avLst/>
+          </a:prstGeom>
+        </p:spPr>
+      </p:pic>
+      <p:pic>
+        <p:nvPicPr>
+          <p:cNvPr id="6" name="Picture 5">
+            <a:extLst>
+              <a:ext uri="{FF2B5EF4-FFF2-40B4-BE49-F238E27FC236}">
+                <a16:creationId xmlns:a16="http://schemas.microsoft.com/office/drawing/2014/main" id="{406FFCAF-3A37-496A-A3E3-5217F2B71E49}"/>
+              </a:ext>
+            </a:extLst>
+          </p:cNvPr>
+          <p:cNvPicPr>
+            <a:picLocks noChangeAspect="1"/>
+          </p:cNvPicPr>
+          <p:nvPr/>
+        </p:nvPicPr>
+        <p:blipFill>
+          <a:blip r:embed="rId12">
+            <a:extLst>
+              <a:ext uri="{28A0092B-C50C-407E-A947-70E740481C1C}">
+                <a14:useLocalDpi xmlns:a14="http://schemas.microsoft.com/office/drawing/2010/main" val="0"/>
+              </a:ext>
+              <a:ext uri="{837473B0-CC2E-450A-ABE3-18F120FF3D39}">
+                <a1611:picAttrSrcUrl xmlns:a1611="http://schemas.microsoft.com/office/drawing/2016/11/main" r:id="rId13"/>
+              </a:ext>
+            </a:extLst>
+          </a:blip>
+          <a:stretch>
+            <a:fillRect/>
+          </a:stretch>
+        </p:blipFill>
+        <p:spPr>
+          <a:xfrm>
+            <a:off x="10070446" y="3013814"/>
+            <a:ext cx="1738029" cy="1797112"/>
           </a:xfrm>
           <a:prstGeom prst="rect">
             <a:avLst/>
@@ -6759,6 +6837,115 @@
       </p:grpSpPr>
       <p:sp>
         <p:nvSpPr>
+          <p:cNvPr id="5" name="Rectangle 4">
+            <a:extLst>
+              <a:ext uri="{FF2B5EF4-FFF2-40B4-BE49-F238E27FC236}">
+                <a16:creationId xmlns:a16="http://schemas.microsoft.com/office/drawing/2014/main" id="{9F1865E1-5C05-4F2B-92C8-55339A88EF64}"/>
+              </a:ext>
+            </a:extLst>
+          </p:cNvPr>
+          <p:cNvSpPr/>
+          <p:nvPr/>
+        </p:nvSpPr>
+        <p:spPr>
+          <a:xfrm>
+            <a:off x="1532467" y="3843867"/>
+            <a:ext cx="5308600" cy="389466"/>
+          </a:xfrm>
+          <a:prstGeom prst="rect">
+            <a:avLst/>
+          </a:prstGeom>
+          <a:solidFill>
+            <a:schemeClr val="accent2">
+              <a:lumMod val="20000"/>
+              <a:lumOff val="80000"/>
+            </a:schemeClr>
+          </a:solidFill>
+          <a:ln>
+            <a:solidFill>
+              <a:schemeClr val="accent1">
+                <a:lumMod val="20000"/>
+                <a:lumOff val="80000"/>
+              </a:schemeClr>
+            </a:solidFill>
+          </a:ln>
+        </p:spPr>
+        <p:style>
+          <a:lnRef idx="2">
+            <a:schemeClr val="accent1">
+              <a:shade val="50000"/>
+            </a:schemeClr>
+          </a:lnRef>
+          <a:fillRef idx="1">
+            <a:schemeClr val="accent1"/>
+          </a:fillRef>
+          <a:effectRef idx="0">
+            <a:schemeClr val="accent1"/>
+          </a:effectRef>
+          <a:fontRef idx="minor">
+            <a:schemeClr val="lt1"/>
+          </a:fontRef>
+        </p:style>
+        <p:txBody>
+          <a:bodyPr rtlCol="0" anchor="ctr"/>
+          <a:lstStyle/>
+          <a:p>
+            <a:pPr algn="ctr"/>
+            <a:endParaRPr lang="en-US"/>
+          </a:p>
+        </p:txBody>
+      </p:sp>
+      <p:sp>
+        <p:nvSpPr>
+          <p:cNvPr id="3" name="Rectangle 2">
+            <a:extLst>
+              <a:ext uri="{FF2B5EF4-FFF2-40B4-BE49-F238E27FC236}">
+                <a16:creationId xmlns:a16="http://schemas.microsoft.com/office/drawing/2014/main" id="{71506876-3CFE-4DDC-ACE4-FFF700FFD831}"/>
+              </a:ext>
+            </a:extLst>
+          </p:cNvPr>
+          <p:cNvSpPr/>
+          <p:nvPr/>
+        </p:nvSpPr>
+        <p:spPr>
+          <a:xfrm>
+            <a:off x="1117600" y="1845733"/>
+            <a:ext cx="4385733" cy="524934"/>
+          </a:xfrm>
+          <a:prstGeom prst="rect">
+            <a:avLst/>
+          </a:prstGeom>
+          <a:solidFill>
+            <a:schemeClr val="bg2"/>
+          </a:solidFill>
+        </p:spPr>
+        <p:style>
+          <a:lnRef idx="2">
+            <a:schemeClr val="accent1">
+              <a:shade val="50000"/>
+            </a:schemeClr>
+          </a:lnRef>
+          <a:fillRef idx="1">
+            <a:schemeClr val="accent1"/>
+          </a:fillRef>
+          <a:effectRef idx="0">
+            <a:schemeClr val="accent1"/>
+          </a:effectRef>
+          <a:fontRef idx="minor">
+            <a:schemeClr val="lt1"/>
+          </a:fontRef>
+        </p:style>
+        <p:txBody>
+          <a:bodyPr rtlCol="0" anchor="ctr"/>
+          <a:lstStyle/>
+          <a:p>
+            <a:pPr algn="ctr"/>
+            <a:endParaRPr lang="en-US"/>
+          </a:p>
+        </p:txBody>
+      </p:sp>
+      <p:sp>
+        <p:nvSpPr>
           <p:cNvPr id="2" name="Title 1">
             <a:extLst>
               <a:ext uri="{FF2B5EF4-FFF2-40B4-BE49-F238E27FC236}">
@@ -6813,19 +7000,10 @@
                 </a:solidFill>
                 <a:hlinkClick r:id="rId2"/>
               </a:rPr>
-              <a:t>https://slurm.schedmd.</a:t>
-            </a:r>
-            <a:r>
-              <a:rPr lang="en-US">
-                <a:solidFill>
-                  <a:srgbClr val="00FFFF"/>
-                </a:solidFill>
-                <a:hlinkClick r:id="rId2"/>
-              </a:rPr>
-              <a:t>com/</a:t>
-            </a:r>
-            <a:r>
-              <a:rPr lang="en-US">
+              <a:t>https://slurm.schedmd.com/</a:t>
+            </a:r>
+            <a:r>
+              <a:rPr lang="en-US" dirty="0">
                 <a:solidFill>
                   <a:srgbClr val="00FFFF"/>
                 </a:solidFill>
@@ -7670,11 +7848,17 @@
         <p:spPr>
           <a:xfrm>
             <a:off x="2252133" y="5257800"/>
-            <a:ext cx="7687734" cy="369332"/>
+            <a:ext cx="7459134" cy="369332"/>
           </a:xfrm>
           <a:prstGeom prst="rect">
             <a:avLst/>
           </a:prstGeom>
+          <a:solidFill>
+            <a:schemeClr val="accent4">
+              <a:lumMod val="20000"/>
+              <a:lumOff val="80000"/>
+            </a:schemeClr>
+          </a:solidFill>
           <a:ln>
             <a:solidFill>
               <a:schemeClr val="accent4">
@@ -8683,6 +8867,12 @@
           <a:prstGeom prst="rect">
             <a:avLst/>
           </a:prstGeom>
+          <a:solidFill>
+            <a:schemeClr val="accent2">
+              <a:lumMod val="20000"/>
+              <a:lumOff val="80000"/>
+            </a:schemeClr>
+          </a:solidFill>
         </p:spPr>
         <p:txBody>
           <a:bodyPr wrap="none">
